--- a/Energias Renovaveis.pptx
+++ b/Energias Renovaveis.pptx
@@ -266,7 +266,7 @@
             <a:fld id="{684469C8-3B6B-41EE-A364-BB72FF36BF78}" type="datetimeFigureOut">
               <a:rPr lang="pt-BR" smtClean="0"/>
               <a:pPr/>
-              <a:t>16/05/2021</a:t>
+              <a:t>18/05/2021</a:t>
             </a:fld>
             <a:endParaRPr lang="pt-BR"/>
           </a:p>
@@ -797,7 +797,7 @@
           <a:p>
             <a:fld id="{4558F6B2-1124-4272-9B42-27115D139DF8}" type="datetime1">
               <a:rPr lang="pt-BR" smtClean="0"/>
-              <a:t>16/05/2021</a:t>
+              <a:t>18/05/2021</a:t>
             </a:fld>
             <a:endParaRPr lang="pt-BR"/>
           </a:p>
@@ -964,7 +964,7 @@
           <a:p>
             <a:fld id="{5C723D50-D745-4071-A820-25AC6FECE3F2}" type="datetime1">
               <a:rPr lang="pt-BR" smtClean="0"/>
-              <a:t>16/05/2021</a:t>
+              <a:t>18/05/2021</a:t>
             </a:fld>
             <a:endParaRPr lang="pt-BR"/>
           </a:p>
@@ -1141,7 +1141,7 @@
           <a:p>
             <a:fld id="{738B2D9B-3353-4F1B-B3C2-D5F66659CCFE}" type="datetime1">
               <a:rPr lang="pt-BR" smtClean="0"/>
-              <a:t>16/05/2021</a:t>
+              <a:t>18/05/2021</a:t>
             </a:fld>
             <a:endParaRPr lang="pt-BR"/>
           </a:p>
@@ -1568,7 +1568,7 @@
           <a:p>
             <a:fld id="{894E1346-141B-42D4-A1D3-7B8185F0090F}" type="datetime1">
               <a:rPr lang="pt-BR" smtClean="0"/>
-              <a:t>16/05/2021</a:t>
+              <a:t>18/05/2021</a:t>
             </a:fld>
             <a:endParaRPr lang="pt-BR" dirty="0"/>
           </a:p>
@@ -1836,7 +1836,7 @@
           <a:p>
             <a:fld id="{18E00B21-915C-4661-B951-DD050069C067}" type="datetime1">
               <a:rPr lang="pt-BR" smtClean="0"/>
-              <a:t>16/05/2021</a:t>
+              <a:t>18/05/2021</a:t>
             </a:fld>
             <a:endParaRPr lang="pt-BR"/>
           </a:p>
@@ -2120,7 +2120,7 @@
           <a:p>
             <a:fld id="{40B69A76-D99C-4DA4-8ECD-B533E16FA967}" type="datetime1">
               <a:rPr lang="pt-BR" smtClean="0"/>
-              <a:t>16/05/2021</a:t>
+              <a:t>18/05/2021</a:t>
             </a:fld>
             <a:endParaRPr lang="pt-BR"/>
           </a:p>
@@ -2538,7 +2538,7 @@
           <a:p>
             <a:fld id="{28E76DF9-6C85-4305-8472-44E0BE8DD8B9}" type="datetime1">
               <a:rPr lang="pt-BR" smtClean="0"/>
-              <a:t>16/05/2021</a:t>
+              <a:t>18/05/2021</a:t>
             </a:fld>
             <a:endParaRPr lang="pt-BR"/>
           </a:p>
@@ -2654,7 +2654,7 @@
           <a:p>
             <a:fld id="{677C16CD-8DD7-4815-B70A-7122C2ABECDB}" type="datetime1">
               <a:rPr lang="pt-BR" smtClean="0"/>
-              <a:t>16/05/2021</a:t>
+              <a:t>18/05/2021</a:t>
             </a:fld>
             <a:endParaRPr lang="pt-BR"/>
           </a:p>
@@ -2748,7 +2748,7 @@
           <a:p>
             <a:fld id="{9CC34DF4-05BC-41D0-97AB-61791253ED28}" type="datetime1">
               <a:rPr lang="pt-BR" smtClean="0"/>
-              <a:t>16/05/2021</a:t>
+              <a:t>18/05/2021</a:t>
             </a:fld>
             <a:endParaRPr lang="pt-BR"/>
           </a:p>
@@ -3022,7 +3022,7 @@
           <a:p>
             <a:fld id="{0474D825-C9CE-4975-8F19-11F6AD72EEEB}" type="datetime1">
               <a:rPr lang="pt-BR" smtClean="0"/>
-              <a:t>16/05/2021</a:t>
+              <a:t>18/05/2021</a:t>
             </a:fld>
             <a:endParaRPr lang="pt-BR"/>
           </a:p>
@@ -3273,7 +3273,7 @@
           <a:p>
             <a:fld id="{AC2AB6F3-801A-496C-B311-2460C8F92AD1}" type="datetime1">
               <a:rPr lang="pt-BR" smtClean="0"/>
-              <a:t>16/05/2021</a:t>
+              <a:t>18/05/2021</a:t>
             </a:fld>
             <a:endParaRPr lang="pt-BR"/>
           </a:p>
@@ -3483,7 +3483,7 @@
           <a:p>
             <a:fld id="{6EFCA838-272A-4E91-9027-3BD617F1E962}" type="datetime1">
               <a:rPr lang="pt-BR" smtClean="0"/>
-              <a:t>16/05/2021</a:t>
+              <a:t>18/05/2021</a:t>
             </a:fld>
             <a:endParaRPr lang="pt-BR"/>
           </a:p>
@@ -14509,7 +14509,7 @@
             </a:pPr>
             <a:r>
               <a:rPr lang="pt-BR" sz="1600" dirty="0"/>
-              <a:t>Aqui temos descritivos de cada energia renovável.</a:t>
+              <a:t>Aqui temos descritivos de algumas energias renováveis.</a:t>
             </a:r>
           </a:p>
         </p:txBody>

--- a/Energias Renovaveis.pptx
+++ b/Energias Renovaveis.pptx
@@ -5,7 +5,7 @@
     <p:sldMasterId id="2147483648" r:id="rId1"/>
   </p:sldMasterIdLst>
   <p:notesMasterIdLst>
-    <p:notesMasterId r:id="rId25"/>
+    <p:notesMasterId r:id="rId27"/>
   </p:notesMasterIdLst>
   <p:sldIdLst>
     <p:sldId id="284" r:id="rId2"/>
@@ -29,8 +29,10 @@
     <p:sldId id="316" r:id="rId20"/>
     <p:sldId id="323" r:id="rId21"/>
     <p:sldId id="318" r:id="rId22"/>
-    <p:sldId id="325" r:id="rId23"/>
-    <p:sldId id="326" r:id="rId24"/>
+    <p:sldId id="327" r:id="rId23"/>
+    <p:sldId id="329" r:id="rId24"/>
+    <p:sldId id="325" r:id="rId25"/>
+    <p:sldId id="326" r:id="rId26"/>
   </p:sldIdLst>
   <p:sldSz cx="9144000" cy="6858000" type="screen4x3"/>
   <p:notesSz cx="6858000" cy="9144000"/>
@@ -159,6 +161,8 @@
             <p14:sldId id="316"/>
             <p14:sldId id="323"/>
             <p14:sldId id="318"/>
+            <p14:sldId id="327"/>
+            <p14:sldId id="329"/>
             <p14:sldId id="325"/>
             <p14:sldId id="326"/>
           </p14:sldIdLst>
@@ -4821,7 +4825,7 @@
         </p:nvSpPr>
         <p:spPr>
           <a:xfrm>
-            <a:off x="845096" y="3244541"/>
+            <a:off x="845096" y="3022100"/>
             <a:ext cx="7453808" cy="407146"/>
           </a:xfrm>
           <a:prstGeom prst="rect">
@@ -4883,7 +4887,7 @@
         </p:spPr>
         <p:txBody>
           <a:bodyPr vert="horz" lIns="91440" tIns="45720" rIns="91440" bIns="45720" rtlCol="0">
-            <a:normAutofit fontScale="70000" lnSpcReduction="20000"/>
+            <a:normAutofit fontScale="62500" lnSpcReduction="20000"/>
           </a:bodyPr>
           <a:lstStyle>
             <a:lvl1pPr marL="342900" indent="-342900" algn="l" defTabSz="914400" rtl="0" eaLnBrk="1" latinLnBrk="0" hangingPunct="1">
@@ -5202,6 +5206,27 @@
                 </a:solidFill>
               </a:rPr>
               <a:t>- Hidrogênio</a:t>
+            </a:r>
+          </a:p>
+          <a:p>
+            <a:pPr lvl="1">
+              <a:lnSpc>
+                <a:spcPct val="150000"/>
+              </a:lnSpc>
+              <a:buFont typeface="Arial" pitchFamily="34" charset="0"/>
+              <a:buBlip>
+                <a:blip r:embed="rId2"/>
+              </a:buBlip>
+            </a:pPr>
+            <a:r>
+              <a:rPr lang="pt-BR" sz="2600" dirty="0">
+                <a:solidFill>
+                  <a:schemeClr val="bg1">
+                    <a:lumMod val="85000"/>
+                  </a:schemeClr>
+                </a:solidFill>
+              </a:rPr>
+              <a:t>- Conclusão</a:t>
             </a:r>
           </a:p>
           <a:p>
@@ -6083,7 +6108,7 @@
         </p:nvSpPr>
         <p:spPr>
           <a:xfrm>
-            <a:off x="845096" y="3652922"/>
+            <a:off x="845096" y="3412627"/>
             <a:ext cx="7453808" cy="407146"/>
           </a:xfrm>
           <a:prstGeom prst="rect">
@@ -6145,7 +6170,7 @@
         </p:spPr>
         <p:txBody>
           <a:bodyPr vert="horz" lIns="91440" tIns="45720" rIns="91440" bIns="45720" rtlCol="0">
-            <a:normAutofit fontScale="70000" lnSpcReduction="20000"/>
+            <a:normAutofit fontScale="62500" lnSpcReduction="20000"/>
           </a:bodyPr>
           <a:lstStyle>
             <a:lvl1pPr marL="342900" indent="-342900" algn="l" defTabSz="914400" rtl="0" eaLnBrk="1" latinLnBrk="0" hangingPunct="1">
@@ -6464,6 +6489,27 @@
                 </a:solidFill>
               </a:rPr>
               <a:t>- Hidrogênio</a:t>
+            </a:r>
+          </a:p>
+          <a:p>
+            <a:pPr lvl="1">
+              <a:lnSpc>
+                <a:spcPct val="150000"/>
+              </a:lnSpc>
+              <a:buFont typeface="Arial" pitchFamily="34" charset="0"/>
+              <a:buBlip>
+                <a:blip r:embed="rId2"/>
+              </a:buBlip>
+            </a:pPr>
+            <a:r>
+              <a:rPr lang="pt-BR" sz="2600" dirty="0">
+                <a:solidFill>
+                  <a:schemeClr val="bg1">
+                    <a:lumMod val="85000"/>
+                  </a:schemeClr>
+                </a:solidFill>
+              </a:rPr>
+              <a:t>- Conclusão</a:t>
             </a:r>
           </a:p>
           <a:p>
@@ -7259,7 +7305,7 @@
         </p:nvSpPr>
         <p:spPr>
           <a:xfrm>
-            <a:off x="845096" y="4079040"/>
+            <a:off x="845096" y="3717032"/>
             <a:ext cx="7453808" cy="407146"/>
           </a:xfrm>
           <a:prstGeom prst="rect">
@@ -7321,7 +7367,7 @@
         </p:spPr>
         <p:txBody>
           <a:bodyPr vert="horz" lIns="91440" tIns="45720" rIns="91440" bIns="45720" rtlCol="0">
-            <a:normAutofit fontScale="70000" lnSpcReduction="20000"/>
+            <a:normAutofit fontScale="62500" lnSpcReduction="20000"/>
           </a:bodyPr>
           <a:lstStyle>
             <a:lvl1pPr marL="342900" indent="-342900" algn="l" defTabSz="914400" rtl="0" eaLnBrk="1" latinLnBrk="0" hangingPunct="1">
@@ -7640,6 +7686,27 @@
                 </a:solidFill>
               </a:rPr>
               <a:t>- Hidrogênio</a:t>
+            </a:r>
+          </a:p>
+          <a:p>
+            <a:pPr lvl="1">
+              <a:lnSpc>
+                <a:spcPct val="150000"/>
+              </a:lnSpc>
+              <a:buFont typeface="Arial" pitchFamily="34" charset="0"/>
+              <a:buBlip>
+                <a:blip r:embed="rId2"/>
+              </a:buBlip>
+            </a:pPr>
+            <a:r>
+              <a:rPr lang="pt-BR" sz="2600" dirty="0">
+                <a:solidFill>
+                  <a:schemeClr val="bg1">
+                    <a:lumMod val="85000"/>
+                  </a:schemeClr>
+                </a:solidFill>
+              </a:rPr>
+              <a:t>- Conclusão</a:t>
             </a:r>
           </a:p>
           <a:p>
@@ -8805,7 +8872,7 @@
         </p:nvSpPr>
         <p:spPr>
           <a:xfrm>
-            <a:off x="845096" y="4469671"/>
+            <a:off x="845096" y="4149080"/>
             <a:ext cx="7453808" cy="407146"/>
           </a:xfrm>
           <a:prstGeom prst="rect">
@@ -8867,7 +8934,7 @@
         </p:spPr>
         <p:txBody>
           <a:bodyPr vert="horz" lIns="91440" tIns="45720" rIns="91440" bIns="45720" rtlCol="0">
-            <a:normAutofit fontScale="70000" lnSpcReduction="20000"/>
+            <a:normAutofit fontScale="62500" lnSpcReduction="20000"/>
           </a:bodyPr>
           <a:lstStyle>
             <a:lvl1pPr marL="342900" indent="-342900" algn="l" defTabSz="914400" rtl="0" eaLnBrk="1" latinLnBrk="0" hangingPunct="1">
@@ -9186,6 +9253,27 @@
                 </a:solidFill>
               </a:rPr>
               <a:t>- Hidrogênio</a:t>
+            </a:r>
+          </a:p>
+          <a:p>
+            <a:pPr lvl="1">
+              <a:lnSpc>
+                <a:spcPct val="150000"/>
+              </a:lnSpc>
+              <a:buFont typeface="Arial" pitchFamily="34" charset="0"/>
+              <a:buBlip>
+                <a:blip r:embed="rId2"/>
+              </a:buBlip>
+            </a:pPr>
+            <a:r>
+              <a:rPr lang="pt-BR" sz="2600" dirty="0">
+                <a:solidFill>
+                  <a:schemeClr val="bg1">
+                    <a:lumMod val="85000"/>
+                  </a:schemeClr>
+                </a:solidFill>
+              </a:rPr>
+              <a:t>- Conclusão</a:t>
             </a:r>
           </a:p>
           <a:p>
@@ -9990,7 +10078,7 @@
         </p:nvSpPr>
         <p:spPr>
           <a:xfrm>
-            <a:off x="845096" y="4886921"/>
+            <a:off x="845096" y="4509120"/>
             <a:ext cx="7453808" cy="407146"/>
           </a:xfrm>
           <a:prstGeom prst="rect">
@@ -10052,7 +10140,7 @@
         </p:spPr>
         <p:txBody>
           <a:bodyPr vert="horz" lIns="91440" tIns="45720" rIns="91440" bIns="45720" rtlCol="0">
-            <a:normAutofit fontScale="70000" lnSpcReduction="20000"/>
+            <a:normAutofit fontScale="62500" lnSpcReduction="20000"/>
           </a:bodyPr>
           <a:lstStyle>
             <a:lvl1pPr marL="342900" indent="-342900" algn="l" defTabSz="914400" rtl="0" eaLnBrk="1" latinLnBrk="0" hangingPunct="1">
@@ -10371,6 +10459,27 @@
             <a:r>
               <a:rPr lang="pt-BR" sz="2600" dirty="0"/>
               <a:t>- Hidrogênio</a:t>
+            </a:r>
+          </a:p>
+          <a:p>
+            <a:pPr lvl="1">
+              <a:lnSpc>
+                <a:spcPct val="150000"/>
+              </a:lnSpc>
+              <a:buFont typeface="Arial" pitchFamily="34" charset="0"/>
+              <a:buBlip>
+                <a:blip r:embed="rId2"/>
+              </a:buBlip>
+            </a:pPr>
+            <a:r>
+              <a:rPr lang="pt-BR" sz="2600" dirty="0">
+                <a:solidFill>
+                  <a:schemeClr val="bg1">
+                    <a:lumMod val="85000"/>
+                  </a:schemeClr>
+                </a:solidFill>
+              </a:rPr>
+              <a:t>- Conclusão</a:t>
             </a:r>
           </a:p>
           <a:p>
@@ -10481,7 +10590,7 @@
         <p:spPr/>
         <p:txBody>
           <a:bodyPr>
-            <a:normAutofit fontScale="77500" lnSpcReduction="20000"/>
+            <a:normAutofit fontScale="70000" lnSpcReduction="20000"/>
           </a:bodyPr>
           <a:lstStyle/>
           <a:p>
@@ -10608,6 +10717,20 @@
             <a:r>
               <a:rPr lang="pt-BR" sz="2400" dirty="0"/>
               <a:t>- Hidrogênio</a:t>
+            </a:r>
+          </a:p>
+          <a:p>
+            <a:pPr lvl="1">
+              <a:lnSpc>
+                <a:spcPct val="150000"/>
+              </a:lnSpc>
+              <a:buBlip>
+                <a:blip r:embed="rId2"/>
+              </a:buBlip>
+            </a:pPr>
+            <a:r>
+              <a:rPr lang="pt-BR" sz="2400" dirty="0"/>
+              <a:t>- Conclusão</a:t>
             </a:r>
           </a:p>
           <a:p>
@@ -11357,6 +11480,627 @@
         </p:nvSpPr>
         <p:spPr>
           <a:xfrm>
+            <a:off x="845096" y="4869169"/>
+            <a:ext cx="7453808" cy="407146"/>
+          </a:xfrm>
+          <a:prstGeom prst="rect">
+            <a:avLst/>
+          </a:prstGeom>
+          <a:solidFill>
+            <a:schemeClr val="accent1">
+              <a:alpha val="45000"/>
+            </a:schemeClr>
+          </a:solidFill>
+        </p:spPr>
+        <p:style>
+          <a:lnRef idx="2">
+            <a:schemeClr val="accent1">
+              <a:shade val="50000"/>
+            </a:schemeClr>
+          </a:lnRef>
+          <a:fillRef idx="1">
+            <a:schemeClr val="accent1"/>
+          </a:fillRef>
+          <a:effectRef idx="0">
+            <a:schemeClr val="accent1"/>
+          </a:effectRef>
+          <a:fontRef idx="minor">
+            <a:schemeClr val="lt1"/>
+          </a:fontRef>
+        </p:style>
+        <p:txBody>
+          <a:bodyPr rtlCol="0" anchor="ctr"/>
+          <a:lstStyle/>
+          <a:p>
+            <a:pPr algn="ctr"/>
+            <a:endParaRPr lang="pt-BR" dirty="0"/>
+          </a:p>
+        </p:txBody>
+      </p:sp>
+      <p:sp>
+        <p:nvSpPr>
+          <p:cNvPr id="5" name="Espaço Reservado para Conteúdo 2">
+            <a:extLst>
+              <a:ext uri="{FF2B5EF4-FFF2-40B4-BE49-F238E27FC236}">
+                <a16:creationId xmlns:a16="http://schemas.microsoft.com/office/drawing/2014/main" id="{9417D519-8C61-46B9-9A2D-F0E5B70E594B}"/>
+              </a:ext>
+            </a:extLst>
+          </p:cNvPr>
+          <p:cNvSpPr txBox="1">
+            <a:spLocks/>
+          </p:cNvSpPr>
+          <p:nvPr/>
+        </p:nvSpPr>
+        <p:spPr>
+          <a:xfrm>
+            <a:off x="328465" y="1556792"/>
+            <a:ext cx="8229600" cy="4525963"/>
+          </a:xfrm>
+          <a:prstGeom prst="rect">
+            <a:avLst/>
+          </a:prstGeom>
+        </p:spPr>
+        <p:txBody>
+          <a:bodyPr vert="horz" lIns="91440" tIns="45720" rIns="91440" bIns="45720" rtlCol="0">
+            <a:normAutofit fontScale="62500" lnSpcReduction="20000"/>
+          </a:bodyPr>
+          <a:lstStyle>
+            <a:lvl1pPr marL="342900" indent="-342900" algn="l" defTabSz="914400" rtl="0" eaLnBrk="1" latinLnBrk="0" hangingPunct="1">
+              <a:spcBef>
+                <a:spcPct val="20000"/>
+              </a:spcBef>
+              <a:buFont typeface="Arial" pitchFamily="34" charset="0"/>
+              <a:buChar char="•"/>
+              <a:defRPr sz="3200" kern="1200">
+                <a:solidFill>
+                  <a:schemeClr val="tx1"/>
+                </a:solidFill>
+                <a:latin typeface="+mn-lt"/>
+                <a:ea typeface="+mn-ea"/>
+                <a:cs typeface="+mn-cs"/>
+              </a:defRPr>
+            </a:lvl1pPr>
+            <a:lvl2pPr marL="742950" indent="-285750" algn="l" defTabSz="914400" rtl="0" eaLnBrk="1" latinLnBrk="0" hangingPunct="1">
+              <a:spcBef>
+                <a:spcPct val="20000"/>
+              </a:spcBef>
+              <a:buFont typeface="Arial" pitchFamily="34" charset="0"/>
+              <a:buChar char="–"/>
+              <a:defRPr sz="2800" kern="1200">
+                <a:solidFill>
+                  <a:schemeClr val="tx1"/>
+                </a:solidFill>
+                <a:latin typeface="+mn-lt"/>
+                <a:ea typeface="+mn-ea"/>
+                <a:cs typeface="+mn-cs"/>
+              </a:defRPr>
+            </a:lvl2pPr>
+            <a:lvl3pPr marL="1143000" indent="-228600" algn="l" defTabSz="914400" rtl="0" eaLnBrk="1" latinLnBrk="0" hangingPunct="1">
+              <a:spcBef>
+                <a:spcPct val="20000"/>
+              </a:spcBef>
+              <a:buFont typeface="Arial" pitchFamily="34" charset="0"/>
+              <a:buChar char="•"/>
+              <a:defRPr sz="2400" kern="1200">
+                <a:solidFill>
+                  <a:schemeClr val="tx1"/>
+                </a:solidFill>
+                <a:latin typeface="+mn-lt"/>
+                <a:ea typeface="+mn-ea"/>
+                <a:cs typeface="+mn-cs"/>
+              </a:defRPr>
+            </a:lvl3pPr>
+            <a:lvl4pPr marL="1600200" indent="-228600" algn="l" defTabSz="914400" rtl="0" eaLnBrk="1" latinLnBrk="0" hangingPunct="1">
+              <a:spcBef>
+                <a:spcPct val="20000"/>
+              </a:spcBef>
+              <a:buFont typeface="Arial" pitchFamily="34" charset="0"/>
+              <a:buChar char="–"/>
+              <a:defRPr sz="2000" kern="1200">
+                <a:solidFill>
+                  <a:schemeClr val="tx1"/>
+                </a:solidFill>
+                <a:latin typeface="+mn-lt"/>
+                <a:ea typeface="+mn-ea"/>
+                <a:cs typeface="+mn-cs"/>
+              </a:defRPr>
+            </a:lvl4pPr>
+            <a:lvl5pPr marL="2057400" indent="-228600" algn="l" defTabSz="914400" rtl="0" eaLnBrk="1" latinLnBrk="0" hangingPunct="1">
+              <a:spcBef>
+                <a:spcPct val="20000"/>
+              </a:spcBef>
+              <a:buFont typeface="Arial" pitchFamily="34" charset="0"/>
+              <a:buChar char="»"/>
+              <a:defRPr sz="2000" kern="1200">
+                <a:solidFill>
+                  <a:schemeClr val="tx1"/>
+                </a:solidFill>
+                <a:latin typeface="+mn-lt"/>
+                <a:ea typeface="+mn-ea"/>
+                <a:cs typeface="+mn-cs"/>
+              </a:defRPr>
+            </a:lvl5pPr>
+            <a:lvl6pPr marL="2514600" indent="-228600" algn="l" defTabSz="914400" rtl="0" eaLnBrk="1" latinLnBrk="0" hangingPunct="1">
+              <a:spcBef>
+                <a:spcPct val="20000"/>
+              </a:spcBef>
+              <a:buFont typeface="Arial" pitchFamily="34" charset="0"/>
+              <a:buChar char="•"/>
+              <a:defRPr sz="2000" kern="1200">
+                <a:solidFill>
+                  <a:schemeClr val="tx1"/>
+                </a:solidFill>
+                <a:latin typeface="+mn-lt"/>
+                <a:ea typeface="+mn-ea"/>
+                <a:cs typeface="+mn-cs"/>
+              </a:defRPr>
+            </a:lvl6pPr>
+            <a:lvl7pPr marL="2971800" indent="-228600" algn="l" defTabSz="914400" rtl="0" eaLnBrk="1" latinLnBrk="0" hangingPunct="1">
+              <a:spcBef>
+                <a:spcPct val="20000"/>
+              </a:spcBef>
+              <a:buFont typeface="Arial" pitchFamily="34" charset="0"/>
+              <a:buChar char="•"/>
+              <a:defRPr sz="2000" kern="1200">
+                <a:solidFill>
+                  <a:schemeClr val="tx1"/>
+                </a:solidFill>
+                <a:latin typeface="+mn-lt"/>
+                <a:ea typeface="+mn-ea"/>
+                <a:cs typeface="+mn-cs"/>
+              </a:defRPr>
+            </a:lvl7pPr>
+            <a:lvl8pPr marL="3429000" indent="-228600" algn="l" defTabSz="914400" rtl="0" eaLnBrk="1" latinLnBrk="0" hangingPunct="1">
+              <a:spcBef>
+                <a:spcPct val="20000"/>
+              </a:spcBef>
+              <a:buFont typeface="Arial" pitchFamily="34" charset="0"/>
+              <a:buChar char="•"/>
+              <a:defRPr sz="2000" kern="1200">
+                <a:solidFill>
+                  <a:schemeClr val="tx1"/>
+                </a:solidFill>
+                <a:latin typeface="+mn-lt"/>
+                <a:ea typeface="+mn-ea"/>
+                <a:cs typeface="+mn-cs"/>
+              </a:defRPr>
+            </a:lvl8pPr>
+            <a:lvl9pPr marL="3886200" indent="-228600" algn="l" defTabSz="914400" rtl="0" eaLnBrk="1" latinLnBrk="0" hangingPunct="1">
+              <a:spcBef>
+                <a:spcPct val="20000"/>
+              </a:spcBef>
+              <a:buFont typeface="Arial" pitchFamily="34" charset="0"/>
+              <a:buChar char="•"/>
+              <a:defRPr sz="2000" kern="1200">
+                <a:solidFill>
+                  <a:schemeClr val="tx1"/>
+                </a:solidFill>
+                <a:latin typeface="+mn-lt"/>
+                <a:ea typeface="+mn-ea"/>
+                <a:cs typeface="+mn-cs"/>
+              </a:defRPr>
+            </a:lvl9pPr>
+          </a:lstStyle>
+          <a:p>
+            <a:pPr lvl="1">
+              <a:lnSpc>
+                <a:spcPct val="150000"/>
+              </a:lnSpc>
+              <a:buFont typeface="Arial" pitchFamily="34" charset="0"/>
+              <a:buBlip>
+                <a:blip r:embed="rId2"/>
+              </a:buBlip>
+            </a:pPr>
+            <a:r>
+              <a:rPr lang="pt-BR" sz="2600" dirty="0">
+                <a:solidFill>
+                  <a:schemeClr val="bg1">
+                    <a:lumMod val="85000"/>
+                  </a:schemeClr>
+                </a:solidFill>
+              </a:rPr>
+              <a:t>- Introdução</a:t>
+            </a:r>
+          </a:p>
+          <a:p>
+            <a:pPr lvl="1">
+              <a:lnSpc>
+                <a:spcPct val="150000"/>
+              </a:lnSpc>
+              <a:buFont typeface="Arial" pitchFamily="34" charset="0"/>
+              <a:buBlip>
+                <a:blip r:embed="rId2"/>
+              </a:buBlip>
+            </a:pPr>
+            <a:r>
+              <a:rPr lang="pt-BR" sz="2600" dirty="0">
+                <a:solidFill>
+                  <a:schemeClr val="bg1">
+                    <a:lumMod val="85000"/>
+                  </a:schemeClr>
+                </a:solidFill>
+              </a:rPr>
+              <a:t>- Desenvolvimento  </a:t>
+            </a:r>
+          </a:p>
+          <a:p>
+            <a:pPr lvl="1">
+              <a:lnSpc>
+                <a:spcPct val="150000"/>
+              </a:lnSpc>
+              <a:buFont typeface="Arial" pitchFamily="34" charset="0"/>
+              <a:buBlip>
+                <a:blip r:embed="rId2"/>
+              </a:buBlip>
+            </a:pPr>
+            <a:r>
+              <a:rPr lang="pt-BR" sz="2600" dirty="0">
+                <a:solidFill>
+                  <a:schemeClr val="bg1">
+                    <a:lumMod val="85000"/>
+                  </a:schemeClr>
+                </a:solidFill>
+              </a:rPr>
+              <a:t>- Eólica  </a:t>
+            </a:r>
+          </a:p>
+          <a:p>
+            <a:pPr lvl="1">
+              <a:lnSpc>
+                <a:spcPct val="150000"/>
+              </a:lnSpc>
+              <a:buBlip>
+                <a:blip r:embed="rId2"/>
+              </a:buBlip>
+            </a:pPr>
+            <a:r>
+              <a:rPr lang="pt-BR" sz="2600" dirty="0">
+                <a:solidFill>
+                  <a:schemeClr val="bg1">
+                    <a:lumMod val="85000"/>
+                  </a:schemeClr>
+                </a:solidFill>
+              </a:rPr>
+              <a:t>- Hidrelétrica  </a:t>
+            </a:r>
+          </a:p>
+          <a:p>
+            <a:pPr lvl="1">
+              <a:lnSpc>
+                <a:spcPct val="150000"/>
+              </a:lnSpc>
+              <a:buFont typeface="Arial" pitchFamily="34" charset="0"/>
+              <a:buBlip>
+                <a:blip r:embed="rId2"/>
+              </a:buBlip>
+            </a:pPr>
+            <a:r>
+              <a:rPr lang="pt-BR" sz="2600" dirty="0">
+                <a:solidFill>
+                  <a:schemeClr val="bg1">
+                    <a:lumMod val="85000"/>
+                  </a:schemeClr>
+                </a:solidFill>
+              </a:rPr>
+              <a:t>- Solar</a:t>
+            </a:r>
+          </a:p>
+          <a:p>
+            <a:pPr lvl="1">
+              <a:lnSpc>
+                <a:spcPct val="150000"/>
+              </a:lnSpc>
+              <a:buFont typeface="Arial" pitchFamily="34" charset="0"/>
+              <a:buBlip>
+                <a:blip r:embed="rId2"/>
+              </a:buBlip>
+            </a:pPr>
+            <a:r>
+              <a:rPr lang="pt-BR" sz="2600" dirty="0">
+                <a:solidFill>
+                  <a:schemeClr val="bg1">
+                    <a:lumMod val="85000"/>
+                  </a:schemeClr>
+                </a:solidFill>
+              </a:rPr>
+              <a:t>- Geotérmica</a:t>
+            </a:r>
+          </a:p>
+          <a:p>
+            <a:pPr lvl="1">
+              <a:lnSpc>
+                <a:spcPct val="150000"/>
+              </a:lnSpc>
+              <a:buFont typeface="Arial" pitchFamily="34" charset="0"/>
+              <a:buBlip>
+                <a:blip r:embed="rId2"/>
+              </a:buBlip>
+            </a:pPr>
+            <a:r>
+              <a:rPr lang="pt-BR" sz="2600" dirty="0">
+                <a:solidFill>
+                  <a:schemeClr val="bg1">
+                    <a:lumMod val="85000"/>
+                  </a:schemeClr>
+                </a:solidFill>
+              </a:rPr>
+              <a:t>- Bioenergia</a:t>
+            </a:r>
+          </a:p>
+          <a:p>
+            <a:pPr lvl="1">
+              <a:lnSpc>
+                <a:spcPct val="150000"/>
+              </a:lnSpc>
+              <a:buFont typeface="Arial" pitchFamily="34" charset="0"/>
+              <a:buBlip>
+                <a:blip r:embed="rId2"/>
+              </a:buBlip>
+            </a:pPr>
+            <a:r>
+              <a:rPr lang="pt-BR" sz="2600" dirty="0">
+                <a:solidFill>
+                  <a:schemeClr val="bg1">
+                    <a:lumMod val="85000"/>
+                  </a:schemeClr>
+                </a:solidFill>
+              </a:rPr>
+              <a:t>- Maremotriz</a:t>
+            </a:r>
+          </a:p>
+          <a:p>
+            <a:pPr lvl="1">
+              <a:lnSpc>
+                <a:spcPct val="150000"/>
+              </a:lnSpc>
+              <a:buFont typeface="Arial" pitchFamily="34" charset="0"/>
+              <a:buBlip>
+                <a:blip r:embed="rId2"/>
+              </a:buBlip>
+            </a:pPr>
+            <a:r>
+              <a:rPr lang="pt-BR" sz="2600" dirty="0">
+                <a:solidFill>
+                  <a:schemeClr val="bg1">
+                    <a:lumMod val="85000"/>
+                  </a:schemeClr>
+                </a:solidFill>
+              </a:rPr>
+              <a:t>- Hidrogênio</a:t>
+            </a:r>
+          </a:p>
+          <a:p>
+            <a:pPr lvl="1">
+              <a:lnSpc>
+                <a:spcPct val="150000"/>
+              </a:lnSpc>
+              <a:buFont typeface="Arial" pitchFamily="34" charset="0"/>
+              <a:buBlip>
+                <a:blip r:embed="rId2"/>
+              </a:buBlip>
+            </a:pPr>
+            <a:r>
+              <a:rPr lang="pt-BR" sz="2600" dirty="0"/>
+              <a:t>- Conclusão</a:t>
+            </a:r>
+          </a:p>
+          <a:p>
+            <a:pPr lvl="1">
+              <a:lnSpc>
+                <a:spcPct val="150000"/>
+              </a:lnSpc>
+              <a:buFont typeface="Arial" pitchFamily="34" charset="0"/>
+              <a:buBlip>
+                <a:blip r:embed="rId2"/>
+              </a:buBlip>
+            </a:pPr>
+            <a:r>
+              <a:rPr lang="pt-BR" sz="2600" dirty="0">
+                <a:solidFill>
+                  <a:schemeClr val="bg1">
+                    <a:lumMod val="85000"/>
+                  </a:schemeClr>
+                </a:solidFill>
+              </a:rPr>
+              <a:t>- Fontes Bibliográficas</a:t>
+            </a:r>
+          </a:p>
+        </p:txBody>
+      </p:sp>
+    </p:spTree>
+    <p:extLst>
+      <p:ext uri="{BB962C8B-B14F-4D97-AF65-F5344CB8AC3E}">
+        <p14:creationId xmlns:p14="http://schemas.microsoft.com/office/powerpoint/2010/main" val="3950776556"/>
+      </p:ext>
+    </p:extLst>
+  </p:cSld>
+  <p:clrMapOvr>
+    <a:masterClrMapping/>
+  </p:clrMapOvr>
+</p:sld>
+</file>
+
+<file path=ppt/slides/slide22.xml><?xml version="1.0" encoding="utf-8"?>
+<p:sld xmlns:a="http://schemas.openxmlformats.org/drawingml/2006/main" xmlns:r="http://schemas.openxmlformats.org/officeDocument/2006/relationships" xmlns:p="http://schemas.openxmlformats.org/presentationml/2006/main">
+  <p:cSld>
+    <p:spTree>
+      <p:nvGrpSpPr>
+        <p:cNvPr id="1" name=""/>
+        <p:cNvGrpSpPr/>
+        <p:nvPr/>
+      </p:nvGrpSpPr>
+      <p:grpSpPr>
+        <a:xfrm>
+          <a:off x="0" y="0"/>
+          <a:ext cx="0" cy="0"/>
+          <a:chOff x="0" y="0"/>
+          <a:chExt cx="0" cy="0"/>
+        </a:xfrm>
+      </p:grpSpPr>
+      <p:sp>
+        <p:nvSpPr>
+          <p:cNvPr id="2" name="Título 1"/>
+          <p:cNvSpPr>
+            <a:spLocks noGrp="1"/>
+          </p:cNvSpPr>
+          <p:nvPr>
+            <p:ph type="title"/>
+          </p:nvPr>
+        </p:nvSpPr>
+        <p:spPr>
+          <a:xfrm>
+            <a:off x="179512" y="453857"/>
+            <a:ext cx="7355160" cy="555960"/>
+          </a:xfrm>
+        </p:spPr>
+        <p:txBody>
+          <a:bodyPr>
+            <a:normAutofit fontScale="90000"/>
+          </a:bodyPr>
+          <a:lstStyle/>
+          <a:p>
+            <a:pPr algn="l"/>
+            <a:r>
+              <a:rPr lang="pt-BR" sz="4000" dirty="0"/>
+              <a:t>Conclusão</a:t>
+            </a:r>
+          </a:p>
+        </p:txBody>
+      </p:sp>
+      <p:sp>
+        <p:nvSpPr>
+          <p:cNvPr id="3" name="Espaço Reservado para Conteúdo 2"/>
+          <p:cNvSpPr>
+            <a:spLocks noGrp="1"/>
+          </p:cNvSpPr>
+          <p:nvPr>
+            <p:ph idx="1"/>
+          </p:nvPr>
+        </p:nvSpPr>
+        <p:spPr>
+          <a:xfrm>
+            <a:off x="457200" y="1196752"/>
+            <a:ext cx="8229600" cy="4929411"/>
+          </a:xfrm>
+        </p:spPr>
+        <p:txBody>
+          <a:bodyPr>
+            <a:normAutofit/>
+          </a:bodyPr>
+          <a:lstStyle/>
+          <a:p>
+            <a:pPr marL="0" indent="0" algn="just">
+              <a:buNone/>
+            </a:pPr>
+            <a:r>
+              <a:rPr lang="pt-BR" sz="1600" dirty="0"/>
+              <a:t>Como foi possível visualizar, atualmente temos várias fontes renováveis que podem substituir as energias não renováveis de hoje de forma segura e, principalmente, com a possibilidade de ser menos poluente para o meio ambiente.</a:t>
+            </a:r>
+          </a:p>
+        </p:txBody>
+      </p:sp>
+      <p:sp>
+        <p:nvSpPr>
+          <p:cNvPr id="6" name="Espaço Reservado para Rodapé 5">
+            <a:extLst>
+              <a:ext uri="{FF2B5EF4-FFF2-40B4-BE49-F238E27FC236}">
+                <a16:creationId xmlns:a16="http://schemas.microsoft.com/office/drawing/2014/main" id="{A1A5E921-ADA0-4BDD-8C15-4A1F31909284}"/>
+              </a:ext>
+            </a:extLst>
+          </p:cNvPr>
+          <p:cNvSpPr>
+            <a:spLocks noGrp="1"/>
+          </p:cNvSpPr>
+          <p:nvPr>
+            <p:ph type="ftr" sz="quarter" idx="11"/>
+          </p:nvPr>
+        </p:nvSpPr>
+        <p:spPr/>
+        <p:txBody>
+          <a:bodyPr/>
+          <a:lstStyle/>
+          <a:p>
+            <a:r>
+              <a:rPr lang="pt-BR"/>
+              <a:t>Tecnologia e Ambiente</a:t>
+            </a:r>
+            <a:endParaRPr lang="pt-BR" dirty="0"/>
+          </a:p>
+        </p:txBody>
+      </p:sp>
+    </p:spTree>
+    <p:extLst>
+      <p:ext uri="{BB962C8B-B14F-4D97-AF65-F5344CB8AC3E}">
+        <p14:creationId xmlns:p14="http://schemas.microsoft.com/office/powerpoint/2010/main" val="2143708882"/>
+      </p:ext>
+    </p:extLst>
+  </p:cSld>
+  <p:clrMapOvr>
+    <a:masterClrMapping/>
+  </p:clrMapOvr>
+</p:sld>
+</file>
+
+<file path=ppt/slides/slide23.xml><?xml version="1.0" encoding="utf-8"?>
+<p:sld xmlns:a="http://schemas.openxmlformats.org/drawingml/2006/main" xmlns:r="http://schemas.openxmlformats.org/officeDocument/2006/relationships" xmlns:p="http://schemas.openxmlformats.org/presentationml/2006/main">
+  <p:cSld>
+    <p:spTree>
+      <p:nvGrpSpPr>
+        <p:cNvPr id="1" name=""/>
+        <p:cNvGrpSpPr/>
+        <p:nvPr/>
+      </p:nvGrpSpPr>
+      <p:grpSpPr>
+        <a:xfrm>
+          <a:off x="0" y="0"/>
+          <a:ext cx="0" cy="0"/>
+          <a:chOff x="0" y="0"/>
+          <a:chExt cx="0" cy="0"/>
+        </a:xfrm>
+      </p:grpSpPr>
+      <p:sp>
+        <p:nvSpPr>
+          <p:cNvPr id="4" name="Espaço Reservado para Rodapé 3">
+            <a:extLst>
+              <a:ext uri="{FF2B5EF4-FFF2-40B4-BE49-F238E27FC236}">
+                <a16:creationId xmlns:a16="http://schemas.microsoft.com/office/drawing/2014/main" id="{EFDE16B0-4935-4EF9-BF3B-4D880A6BBA64}"/>
+              </a:ext>
+            </a:extLst>
+          </p:cNvPr>
+          <p:cNvSpPr>
+            <a:spLocks noGrp="1"/>
+          </p:cNvSpPr>
+          <p:nvPr>
+            <p:ph type="ftr" sz="quarter" idx="11"/>
+          </p:nvPr>
+        </p:nvSpPr>
+        <p:spPr/>
+        <p:txBody>
+          <a:bodyPr/>
+          <a:lstStyle/>
+          <a:p>
+            <a:r>
+              <a:rPr lang="pt-BR"/>
+              <a:t>Tecnologia e Ambiente</a:t>
+            </a:r>
+            <a:endParaRPr lang="pt-BR" dirty="0"/>
+          </a:p>
+        </p:txBody>
+      </p:sp>
+      <p:sp>
+        <p:nvSpPr>
+          <p:cNvPr id="9" name="Retângulo 8">
+            <a:extLst>
+              <a:ext uri="{FF2B5EF4-FFF2-40B4-BE49-F238E27FC236}">
+                <a16:creationId xmlns:a16="http://schemas.microsoft.com/office/drawing/2014/main" id="{54EB1F42-432F-42EA-AD2D-064003081CF5}"/>
+              </a:ext>
+            </a:extLst>
+          </p:cNvPr>
+          <p:cNvSpPr/>
+          <p:nvPr/>
+        </p:nvSpPr>
+        <p:spPr>
+          <a:xfrm>
             <a:off x="845096" y="5277540"/>
             <a:ext cx="7453808" cy="407146"/>
           </a:xfrm>
@@ -11419,7 +12163,7 @@
         </p:spPr>
         <p:txBody>
           <a:bodyPr vert="horz" lIns="91440" tIns="45720" rIns="91440" bIns="45720" rtlCol="0">
-            <a:normAutofit fontScale="70000" lnSpcReduction="20000"/>
+            <a:normAutofit fontScale="62500" lnSpcReduction="20000"/>
           </a:bodyPr>
           <a:lstStyle>
             <a:lvl1pPr marL="342900" indent="-342900" algn="l" defTabSz="914400" rtl="0" eaLnBrk="1" latinLnBrk="0" hangingPunct="1">
@@ -11757,6 +12501,27 @@
               </a:buBlip>
             </a:pPr>
             <a:r>
+              <a:rPr lang="pt-BR" sz="2600" dirty="0">
+                <a:solidFill>
+                  <a:schemeClr val="bg1">
+                    <a:lumMod val="85000"/>
+                  </a:schemeClr>
+                </a:solidFill>
+              </a:rPr>
+              <a:t>- Conclusão</a:t>
+            </a:r>
+          </a:p>
+          <a:p>
+            <a:pPr lvl="1">
+              <a:lnSpc>
+                <a:spcPct val="150000"/>
+              </a:lnSpc>
+              <a:buFont typeface="Arial" pitchFamily="34" charset="0"/>
+              <a:buBlip>
+                <a:blip r:embed="rId2"/>
+              </a:buBlip>
+            </a:pPr>
+            <a:r>
               <a:rPr lang="pt-BR" sz="2600" dirty="0"/>
               <a:t>- Fontes Bibliográficas</a:t>
             </a:r>
@@ -11766,7 +12531,7 @@
     </p:spTree>
     <p:extLst>
       <p:ext uri="{BB962C8B-B14F-4D97-AF65-F5344CB8AC3E}">
-        <p14:creationId xmlns:p14="http://schemas.microsoft.com/office/powerpoint/2010/main" val="3950776556"/>
+        <p14:creationId xmlns:p14="http://schemas.microsoft.com/office/powerpoint/2010/main" val="1727085270"/>
       </p:ext>
     </p:extLst>
   </p:cSld>
@@ -11776,7 +12541,7 @@
 </p:sld>
 </file>
 
-<file path=ppt/slides/slide22.xml><?xml version="1.0" encoding="utf-8"?>
+<file path=ppt/slides/slide24.xml><?xml version="1.0" encoding="utf-8"?>
 <p:sld xmlns:a="http://schemas.openxmlformats.org/drawingml/2006/main" xmlns:r="http://schemas.openxmlformats.org/officeDocument/2006/relationships" xmlns:p="http://schemas.openxmlformats.org/presentationml/2006/main">
   <p:cSld>
     <p:spTree>
@@ -13041,7 +13806,7 @@
 </p:sld>
 </file>
 
-<file path=ppt/slides/slide23.xml><?xml version="1.0" encoding="utf-8"?>
+<file path=ppt/slides/slide25.xml><?xml version="1.0" encoding="utf-8"?>
 <p:sld xmlns:a="http://schemas.openxmlformats.org/drawingml/2006/main" xmlns:r="http://schemas.openxmlformats.org/officeDocument/2006/relationships" xmlns:p="http://schemas.openxmlformats.org/presentationml/2006/main">
   <p:cSld>
     <p:spTree>
@@ -13642,6 +14407,27 @@
                   </a:schemeClr>
                 </a:solidFill>
               </a:rPr>
+              <a:t>- Conclusão</a:t>
+            </a:r>
+          </a:p>
+          <a:p>
+            <a:pPr lvl="1">
+              <a:lnSpc>
+                <a:spcPct val="150000"/>
+              </a:lnSpc>
+              <a:buFont typeface="Arial" pitchFamily="34" charset="0"/>
+              <a:buBlip>
+                <a:blip r:embed="rId2"/>
+              </a:buBlip>
+            </a:pPr>
+            <a:r>
+              <a:rPr lang="pt-BR" sz="2600" dirty="0">
+                <a:solidFill>
+                  <a:schemeClr val="bg1">
+                    <a:lumMod val="85000"/>
+                  </a:schemeClr>
+                </a:solidFill>
+              </a:rPr>
               <a:t>- Fontes Bibliográficas</a:t>
             </a:r>
           </a:p>
@@ -14002,7 +14788,7 @@
         </p:spPr>
         <p:txBody>
           <a:bodyPr vert="horz" lIns="91440" tIns="45720" rIns="91440" bIns="45720" rtlCol="0">
-            <a:normAutofit fontScale="70000" lnSpcReduction="20000"/>
+            <a:normAutofit fontScale="62500" lnSpcReduction="20000"/>
           </a:bodyPr>
           <a:lstStyle>
             <a:lvl1pPr marL="342900" indent="-342900" algn="l" defTabSz="914400" rtl="0" eaLnBrk="1" latinLnBrk="0" hangingPunct="1">
@@ -14321,6 +15107,27 @@
                 </a:solidFill>
               </a:rPr>
               <a:t>- Hidrogênio</a:t>
+            </a:r>
+          </a:p>
+          <a:p>
+            <a:pPr lvl="1">
+              <a:lnSpc>
+                <a:spcPct val="150000"/>
+              </a:lnSpc>
+              <a:buFont typeface="Arial" pitchFamily="34" charset="0"/>
+              <a:buBlip>
+                <a:blip r:embed="rId2"/>
+              </a:buBlip>
+            </a:pPr>
+            <a:r>
+              <a:rPr lang="pt-BR" sz="2600" dirty="0">
+                <a:solidFill>
+                  <a:schemeClr val="bg1">
+                    <a:lumMod val="85000"/>
+                  </a:schemeClr>
+                </a:solidFill>
+              </a:rPr>
+              <a:t>- Conclusão</a:t>
             </a:r>
           </a:p>
           <a:p>
@@ -14616,7 +15423,7 @@
         </p:nvSpPr>
         <p:spPr>
           <a:xfrm>
-            <a:off x="845096" y="2392284"/>
+            <a:off x="845096" y="2321260"/>
             <a:ext cx="7453808" cy="407146"/>
           </a:xfrm>
           <a:prstGeom prst="rect">
@@ -14678,7 +15485,7 @@
         </p:spPr>
         <p:txBody>
           <a:bodyPr vert="horz" lIns="91440" tIns="45720" rIns="91440" bIns="45720" rtlCol="0">
-            <a:normAutofit fontScale="70000" lnSpcReduction="20000"/>
+            <a:normAutofit fontScale="62500" lnSpcReduction="20000"/>
           </a:bodyPr>
           <a:lstStyle>
             <a:lvl1pPr marL="342900" indent="-342900" algn="l" defTabSz="914400" rtl="0" eaLnBrk="1" latinLnBrk="0" hangingPunct="1">
@@ -14997,6 +15804,27 @@
                 </a:solidFill>
               </a:rPr>
               <a:t>- Hidrogênio</a:t>
+            </a:r>
+          </a:p>
+          <a:p>
+            <a:pPr lvl="1">
+              <a:lnSpc>
+                <a:spcPct val="150000"/>
+              </a:lnSpc>
+              <a:buFont typeface="Arial" pitchFamily="34" charset="0"/>
+              <a:buBlip>
+                <a:blip r:embed="rId2"/>
+              </a:buBlip>
+            </a:pPr>
+            <a:r>
+              <a:rPr lang="pt-BR" sz="2600" dirty="0">
+                <a:solidFill>
+                  <a:schemeClr val="bg1">
+                    <a:lumMod val="85000"/>
+                  </a:schemeClr>
+                </a:solidFill>
+              </a:rPr>
+              <a:t>- Conclusão</a:t>
             </a:r>
           </a:p>
           <a:p>
@@ -16146,7 +16974,7 @@
         </p:nvSpPr>
         <p:spPr>
           <a:xfrm>
-            <a:off x="845096" y="2809539"/>
+            <a:off x="764454" y="2654668"/>
             <a:ext cx="7453808" cy="407146"/>
           </a:xfrm>
           <a:prstGeom prst="rect">
@@ -16208,7 +17036,7 @@
         </p:spPr>
         <p:txBody>
           <a:bodyPr vert="horz" lIns="91440" tIns="45720" rIns="91440" bIns="45720" rtlCol="0">
-            <a:normAutofit fontScale="70000" lnSpcReduction="20000"/>
+            <a:normAutofit fontScale="62500" lnSpcReduction="20000"/>
           </a:bodyPr>
           <a:lstStyle>
             <a:lvl1pPr marL="342900" indent="-342900" algn="l" defTabSz="914400" rtl="0" eaLnBrk="1" latinLnBrk="0" hangingPunct="1">
@@ -16527,6 +17355,27 @@
                 </a:solidFill>
               </a:rPr>
               <a:t>- Hidrogênio</a:t>
+            </a:r>
+          </a:p>
+          <a:p>
+            <a:pPr lvl="1">
+              <a:lnSpc>
+                <a:spcPct val="150000"/>
+              </a:lnSpc>
+              <a:buFont typeface="Arial" pitchFamily="34" charset="0"/>
+              <a:buBlip>
+                <a:blip r:embed="rId2"/>
+              </a:buBlip>
+            </a:pPr>
+            <a:r>
+              <a:rPr lang="pt-BR" sz="2600" dirty="0">
+                <a:solidFill>
+                  <a:schemeClr val="bg1">
+                    <a:lumMod val="85000"/>
+                  </a:schemeClr>
+                </a:solidFill>
+              </a:rPr>
+              <a:t>- Conclusão</a:t>
             </a:r>
           </a:p>
           <a:p>

--- a/Energias Renovaveis.pptx
+++ b/Energias Renovaveis.pptx
@@ -139,10 +139,6 @@
             <p14:sldId id="284"/>
             <p14:sldId id="285"/>
             <p14:sldId id="286"/>
-          </p14:sldIdLst>
-        </p14:section>
-        <p14:section name="Amanda" id="{B48EC951-0B66-4BC6-93E0-50CED0C96D91}">
-          <p14:sldIdLst>
             <p14:sldId id="257"/>
             <p14:sldId id="308"/>
             <p14:sldId id="306"/>
